--- a/ppt 16-9/0597.荒漠甘泉.pptx
+++ b/ppt 16-9/0597.荒漠甘泉.pptx
@@ -129,7 +129,7 @@
           <p:cNvPr id="2" name="标题 1">
             <a:extLst>
               <a:ext uri="{FF2B5EF4-FFF2-40B4-BE49-F238E27FC236}">
-                <a16:creationId xmlns:a16="http://schemas.microsoft.com/office/drawing/2014/main" id="{6DE9B7CF-DF28-2859-12D5-6B7C832903C8}"/>
+                <a16:creationId xmlns:a16="http://schemas.microsoft.com/office/drawing/2014/main" id="{75737B7B-CC5E-697F-E9F7-27E154FF9E9D}"/>
               </a:ext>
             </a:extLst>
           </p:cNvPr>
@@ -166,7 +166,7 @@
           <p:cNvPr id="3" name="副标题 2">
             <a:extLst>
               <a:ext uri="{FF2B5EF4-FFF2-40B4-BE49-F238E27FC236}">
-                <a16:creationId xmlns:a16="http://schemas.microsoft.com/office/drawing/2014/main" id="{CE700132-4DA8-3E52-0C45-F9E64DEA2FF0}"/>
+                <a16:creationId xmlns:a16="http://schemas.microsoft.com/office/drawing/2014/main" id="{B791A3A7-B76A-A595-1C59-5C6276E550B5}"/>
               </a:ext>
             </a:extLst>
           </p:cNvPr>
@@ -236,7 +236,7 @@
           <p:cNvPr id="4" name="日期占位符 3">
             <a:extLst>
               <a:ext uri="{FF2B5EF4-FFF2-40B4-BE49-F238E27FC236}">
-                <a16:creationId xmlns:a16="http://schemas.microsoft.com/office/drawing/2014/main" id="{B347AB51-32E8-719C-CAA5-D46C005CA057}"/>
+                <a16:creationId xmlns:a16="http://schemas.microsoft.com/office/drawing/2014/main" id="{64843699-BEED-863B-F683-1438486CFECE}"/>
               </a:ext>
             </a:extLst>
           </p:cNvPr>
@@ -252,7 +252,7 @@
           <a:bodyPr/>
           <a:lstStyle/>
           <a:p>
-            <a:fld id="{E073F0ED-8DD1-47EF-88D4-D82E6DB55CDA}" type="datetimeFigureOut">
+            <a:fld id="{419B077C-22F5-496A-9E12-3758AE6B986C}" type="datetimeFigureOut">
               <a:rPr lang="zh-CN" altLang="en-US" smtClean="0"/>
               <a:t>2024/3/10</a:t>
             </a:fld>
@@ -265,7 +265,7 @@
           <p:cNvPr id="5" name="页脚占位符 4">
             <a:extLst>
               <a:ext uri="{FF2B5EF4-FFF2-40B4-BE49-F238E27FC236}">
-                <a16:creationId xmlns:a16="http://schemas.microsoft.com/office/drawing/2014/main" id="{5BBE980C-B76F-19E8-BE84-B678585A6855}"/>
+                <a16:creationId xmlns:a16="http://schemas.microsoft.com/office/drawing/2014/main" id="{FE049D05-2487-56F4-A606-BF1219F83E75}"/>
               </a:ext>
             </a:extLst>
           </p:cNvPr>
@@ -290,7 +290,7 @@
           <p:cNvPr id="6" name="灯片编号占位符 5">
             <a:extLst>
               <a:ext uri="{FF2B5EF4-FFF2-40B4-BE49-F238E27FC236}">
-                <a16:creationId xmlns:a16="http://schemas.microsoft.com/office/drawing/2014/main" id="{3FD2653B-7557-A41B-A01C-6A64840F7D72}"/>
+                <a16:creationId xmlns:a16="http://schemas.microsoft.com/office/drawing/2014/main" id="{48FD32E3-752C-158A-B776-09AEBBCC7576}"/>
               </a:ext>
             </a:extLst>
           </p:cNvPr>
@@ -306,7 +306,7 @@
           <a:bodyPr/>
           <a:lstStyle/>
           <a:p>
-            <a:fld id="{69D1344B-0241-4AA0-A324-1FB20875BB7D}" type="slidenum">
+            <a:fld id="{54BAC207-67C3-41DC-968B-CD139BFB0E80}" type="slidenum">
               <a:rPr lang="zh-CN" altLang="en-US" smtClean="0"/>
               <a:t>‹#›</a:t>
             </a:fld>
@@ -317,7 +317,7 @@
     </p:spTree>
     <p:extLst>
       <p:ext uri="{BB962C8B-B14F-4D97-AF65-F5344CB8AC3E}">
-        <p14:creationId xmlns:p14="http://schemas.microsoft.com/office/powerpoint/2010/main" val="1711182858"/>
+        <p14:creationId xmlns:p14="http://schemas.microsoft.com/office/powerpoint/2010/main" val="377542628"/>
       </p:ext>
     </p:extLst>
   </p:cSld>
@@ -349,7 +349,7 @@
           <p:cNvPr id="2" name="标题 1">
             <a:extLst>
               <a:ext uri="{FF2B5EF4-FFF2-40B4-BE49-F238E27FC236}">
-                <a16:creationId xmlns:a16="http://schemas.microsoft.com/office/drawing/2014/main" id="{73D49C4E-2DE9-628D-3567-64E56423E7DE}"/>
+                <a16:creationId xmlns:a16="http://schemas.microsoft.com/office/drawing/2014/main" id="{AE429809-8E81-E272-87FD-2B0D1DC3459D}"/>
               </a:ext>
             </a:extLst>
           </p:cNvPr>
@@ -377,7 +377,7 @@
           <p:cNvPr id="3" name="竖排文字占位符 2">
             <a:extLst>
               <a:ext uri="{FF2B5EF4-FFF2-40B4-BE49-F238E27FC236}">
-                <a16:creationId xmlns:a16="http://schemas.microsoft.com/office/drawing/2014/main" id="{577806A2-C4BF-1CDA-D96B-5689F6D7FCEE}"/>
+                <a16:creationId xmlns:a16="http://schemas.microsoft.com/office/drawing/2014/main" id="{0078784A-03E5-FAEB-0C65-7B39C89EC8EF}"/>
               </a:ext>
             </a:extLst>
           </p:cNvPr>
@@ -434,7 +434,7 @@
           <p:cNvPr id="4" name="日期占位符 3">
             <a:extLst>
               <a:ext uri="{FF2B5EF4-FFF2-40B4-BE49-F238E27FC236}">
-                <a16:creationId xmlns:a16="http://schemas.microsoft.com/office/drawing/2014/main" id="{6A971F19-283F-E72E-9B0E-46A120444F4C}"/>
+                <a16:creationId xmlns:a16="http://schemas.microsoft.com/office/drawing/2014/main" id="{BA5AD8E6-CCD2-5AA5-F6BD-C98D7A919E50}"/>
               </a:ext>
             </a:extLst>
           </p:cNvPr>
@@ -450,7 +450,7 @@
           <a:bodyPr/>
           <a:lstStyle/>
           <a:p>
-            <a:fld id="{E073F0ED-8DD1-47EF-88D4-D82E6DB55CDA}" type="datetimeFigureOut">
+            <a:fld id="{419B077C-22F5-496A-9E12-3758AE6B986C}" type="datetimeFigureOut">
               <a:rPr lang="zh-CN" altLang="en-US" smtClean="0"/>
               <a:t>2024/3/10</a:t>
             </a:fld>
@@ -463,7 +463,7 @@
           <p:cNvPr id="5" name="页脚占位符 4">
             <a:extLst>
               <a:ext uri="{FF2B5EF4-FFF2-40B4-BE49-F238E27FC236}">
-                <a16:creationId xmlns:a16="http://schemas.microsoft.com/office/drawing/2014/main" id="{B61CEB68-0A46-4AD8-3C10-B8C5B7C6782D}"/>
+                <a16:creationId xmlns:a16="http://schemas.microsoft.com/office/drawing/2014/main" id="{9EC9628B-25F4-6EFB-48EC-FEA9ACE04ED1}"/>
               </a:ext>
             </a:extLst>
           </p:cNvPr>
@@ -488,7 +488,7 @@
           <p:cNvPr id="6" name="灯片编号占位符 5">
             <a:extLst>
               <a:ext uri="{FF2B5EF4-FFF2-40B4-BE49-F238E27FC236}">
-                <a16:creationId xmlns:a16="http://schemas.microsoft.com/office/drawing/2014/main" id="{3382CB3E-38C1-589B-89A4-B7921F8895B9}"/>
+                <a16:creationId xmlns:a16="http://schemas.microsoft.com/office/drawing/2014/main" id="{80B561BC-3725-D533-3EED-A38F7193A097}"/>
               </a:ext>
             </a:extLst>
           </p:cNvPr>
@@ -504,7 +504,7 @@
           <a:bodyPr/>
           <a:lstStyle/>
           <a:p>
-            <a:fld id="{69D1344B-0241-4AA0-A324-1FB20875BB7D}" type="slidenum">
+            <a:fld id="{54BAC207-67C3-41DC-968B-CD139BFB0E80}" type="slidenum">
               <a:rPr lang="zh-CN" altLang="en-US" smtClean="0"/>
               <a:t>‹#›</a:t>
             </a:fld>
@@ -515,7 +515,7 @@
     </p:spTree>
     <p:extLst>
       <p:ext uri="{BB962C8B-B14F-4D97-AF65-F5344CB8AC3E}">
-        <p14:creationId xmlns:p14="http://schemas.microsoft.com/office/powerpoint/2010/main" val="1916912244"/>
+        <p14:creationId xmlns:p14="http://schemas.microsoft.com/office/powerpoint/2010/main" val="1553142804"/>
       </p:ext>
     </p:extLst>
   </p:cSld>
@@ -547,7 +547,7 @@
           <p:cNvPr id="2" name="竖排标题 1">
             <a:extLst>
               <a:ext uri="{FF2B5EF4-FFF2-40B4-BE49-F238E27FC236}">
-                <a16:creationId xmlns:a16="http://schemas.microsoft.com/office/drawing/2014/main" id="{0DC331FC-0763-C5A7-0BDC-E1D3C78D3362}"/>
+                <a16:creationId xmlns:a16="http://schemas.microsoft.com/office/drawing/2014/main" id="{D5D820B0-15EC-0E0B-A594-CA5DF31FE885}"/>
               </a:ext>
             </a:extLst>
           </p:cNvPr>
@@ -580,7 +580,7 @@
           <p:cNvPr id="3" name="竖排文字占位符 2">
             <a:extLst>
               <a:ext uri="{FF2B5EF4-FFF2-40B4-BE49-F238E27FC236}">
-                <a16:creationId xmlns:a16="http://schemas.microsoft.com/office/drawing/2014/main" id="{EB468827-8BB3-C023-50C7-F7CF20A09908}"/>
+                <a16:creationId xmlns:a16="http://schemas.microsoft.com/office/drawing/2014/main" id="{71A8D204-EF7D-84E0-E51B-05F90258892D}"/>
               </a:ext>
             </a:extLst>
           </p:cNvPr>
@@ -642,7 +642,7 @@
           <p:cNvPr id="4" name="日期占位符 3">
             <a:extLst>
               <a:ext uri="{FF2B5EF4-FFF2-40B4-BE49-F238E27FC236}">
-                <a16:creationId xmlns:a16="http://schemas.microsoft.com/office/drawing/2014/main" id="{E276D431-4920-E051-C7D8-A68C7B2E73E1}"/>
+                <a16:creationId xmlns:a16="http://schemas.microsoft.com/office/drawing/2014/main" id="{2FDD339D-2418-2B4D-B66F-88D5AA410317}"/>
               </a:ext>
             </a:extLst>
           </p:cNvPr>
@@ -658,7 +658,7 @@
           <a:bodyPr/>
           <a:lstStyle/>
           <a:p>
-            <a:fld id="{E073F0ED-8DD1-47EF-88D4-D82E6DB55CDA}" type="datetimeFigureOut">
+            <a:fld id="{419B077C-22F5-496A-9E12-3758AE6B986C}" type="datetimeFigureOut">
               <a:rPr lang="zh-CN" altLang="en-US" smtClean="0"/>
               <a:t>2024/3/10</a:t>
             </a:fld>
@@ -671,7 +671,7 @@
           <p:cNvPr id="5" name="页脚占位符 4">
             <a:extLst>
               <a:ext uri="{FF2B5EF4-FFF2-40B4-BE49-F238E27FC236}">
-                <a16:creationId xmlns:a16="http://schemas.microsoft.com/office/drawing/2014/main" id="{B7FB91A1-2A09-FDC7-6DA2-A671F5A099C1}"/>
+                <a16:creationId xmlns:a16="http://schemas.microsoft.com/office/drawing/2014/main" id="{9775BDA6-DD33-A169-C9C0-A8BD28AA7959}"/>
               </a:ext>
             </a:extLst>
           </p:cNvPr>
@@ -696,7 +696,7 @@
           <p:cNvPr id="6" name="灯片编号占位符 5">
             <a:extLst>
               <a:ext uri="{FF2B5EF4-FFF2-40B4-BE49-F238E27FC236}">
-                <a16:creationId xmlns:a16="http://schemas.microsoft.com/office/drawing/2014/main" id="{7BF1088C-1851-E18A-D38F-73A31E238DAA}"/>
+                <a16:creationId xmlns:a16="http://schemas.microsoft.com/office/drawing/2014/main" id="{1622862A-CF66-37C5-E9EB-7F10D34B1D90}"/>
               </a:ext>
             </a:extLst>
           </p:cNvPr>
@@ -712,7 +712,7 @@
           <a:bodyPr/>
           <a:lstStyle/>
           <a:p>
-            <a:fld id="{69D1344B-0241-4AA0-A324-1FB20875BB7D}" type="slidenum">
+            <a:fld id="{54BAC207-67C3-41DC-968B-CD139BFB0E80}" type="slidenum">
               <a:rPr lang="zh-CN" altLang="en-US" smtClean="0"/>
               <a:t>‹#›</a:t>
             </a:fld>
@@ -723,7 +723,7 @@
     </p:spTree>
     <p:extLst>
       <p:ext uri="{BB962C8B-B14F-4D97-AF65-F5344CB8AC3E}">
-        <p14:creationId xmlns:p14="http://schemas.microsoft.com/office/powerpoint/2010/main" val="3589255656"/>
+        <p14:creationId xmlns:p14="http://schemas.microsoft.com/office/powerpoint/2010/main" val="2914189181"/>
       </p:ext>
     </p:extLst>
   </p:cSld>
@@ -755,7 +755,7 @@
           <p:cNvPr id="2" name="标题 1">
             <a:extLst>
               <a:ext uri="{FF2B5EF4-FFF2-40B4-BE49-F238E27FC236}">
-                <a16:creationId xmlns:a16="http://schemas.microsoft.com/office/drawing/2014/main" id="{C1D3DBE8-7362-5E5E-D6AE-8B459DC39311}"/>
+                <a16:creationId xmlns:a16="http://schemas.microsoft.com/office/drawing/2014/main" id="{A4F1FB39-DF26-D9F9-1623-D09C43A76BB7}"/>
               </a:ext>
             </a:extLst>
           </p:cNvPr>
@@ -783,7 +783,7 @@
           <p:cNvPr id="3" name="内容占位符 2">
             <a:extLst>
               <a:ext uri="{FF2B5EF4-FFF2-40B4-BE49-F238E27FC236}">
-                <a16:creationId xmlns:a16="http://schemas.microsoft.com/office/drawing/2014/main" id="{9F84F4F5-9812-0C6A-0D9F-24A1FC6CA84A}"/>
+                <a16:creationId xmlns:a16="http://schemas.microsoft.com/office/drawing/2014/main" id="{04009CA3-B896-E619-D760-98A86AB06C5A}"/>
               </a:ext>
             </a:extLst>
           </p:cNvPr>
@@ -840,7 +840,7 @@
           <p:cNvPr id="4" name="日期占位符 3">
             <a:extLst>
               <a:ext uri="{FF2B5EF4-FFF2-40B4-BE49-F238E27FC236}">
-                <a16:creationId xmlns:a16="http://schemas.microsoft.com/office/drawing/2014/main" id="{7FF8EF30-2277-040B-E308-C46D2BA4DB8E}"/>
+                <a16:creationId xmlns:a16="http://schemas.microsoft.com/office/drawing/2014/main" id="{01777BF8-C8CC-F970-7F9A-3B23D39E8C0B}"/>
               </a:ext>
             </a:extLst>
           </p:cNvPr>
@@ -856,7 +856,7 @@
           <a:bodyPr/>
           <a:lstStyle/>
           <a:p>
-            <a:fld id="{E073F0ED-8DD1-47EF-88D4-D82E6DB55CDA}" type="datetimeFigureOut">
+            <a:fld id="{419B077C-22F5-496A-9E12-3758AE6B986C}" type="datetimeFigureOut">
               <a:rPr lang="zh-CN" altLang="en-US" smtClean="0"/>
               <a:t>2024/3/10</a:t>
             </a:fld>
@@ -869,7 +869,7 @@
           <p:cNvPr id="5" name="页脚占位符 4">
             <a:extLst>
               <a:ext uri="{FF2B5EF4-FFF2-40B4-BE49-F238E27FC236}">
-                <a16:creationId xmlns:a16="http://schemas.microsoft.com/office/drawing/2014/main" id="{8B2233AE-B39B-02D1-53D8-BE84B7574C36}"/>
+                <a16:creationId xmlns:a16="http://schemas.microsoft.com/office/drawing/2014/main" id="{B5864194-78B5-6E2E-E0E6-3E2332CE1DC1}"/>
               </a:ext>
             </a:extLst>
           </p:cNvPr>
@@ -894,7 +894,7 @@
           <p:cNvPr id="6" name="灯片编号占位符 5">
             <a:extLst>
               <a:ext uri="{FF2B5EF4-FFF2-40B4-BE49-F238E27FC236}">
-                <a16:creationId xmlns:a16="http://schemas.microsoft.com/office/drawing/2014/main" id="{E9B3E600-2F62-032B-E5B2-B9E60F7047F8}"/>
+                <a16:creationId xmlns:a16="http://schemas.microsoft.com/office/drawing/2014/main" id="{DADCE143-89CD-9DD8-6889-CB5F1972BEA7}"/>
               </a:ext>
             </a:extLst>
           </p:cNvPr>
@@ -910,7 +910,7 @@
           <a:bodyPr/>
           <a:lstStyle/>
           <a:p>
-            <a:fld id="{69D1344B-0241-4AA0-A324-1FB20875BB7D}" type="slidenum">
+            <a:fld id="{54BAC207-67C3-41DC-968B-CD139BFB0E80}" type="slidenum">
               <a:rPr lang="zh-CN" altLang="en-US" smtClean="0"/>
               <a:t>‹#›</a:t>
             </a:fld>
@@ -921,7 +921,7 @@
     </p:spTree>
     <p:extLst>
       <p:ext uri="{BB962C8B-B14F-4D97-AF65-F5344CB8AC3E}">
-        <p14:creationId xmlns:p14="http://schemas.microsoft.com/office/powerpoint/2010/main" val="3689424554"/>
+        <p14:creationId xmlns:p14="http://schemas.microsoft.com/office/powerpoint/2010/main" val="1039223456"/>
       </p:ext>
     </p:extLst>
   </p:cSld>
@@ -953,7 +953,7 @@
           <p:cNvPr id="2" name="标题 1">
             <a:extLst>
               <a:ext uri="{FF2B5EF4-FFF2-40B4-BE49-F238E27FC236}">
-                <a16:creationId xmlns:a16="http://schemas.microsoft.com/office/drawing/2014/main" id="{F81EBFF6-C2E8-64E2-08DD-27544C422DDE}"/>
+                <a16:creationId xmlns:a16="http://schemas.microsoft.com/office/drawing/2014/main" id="{0A0EC976-7F0A-B63F-B62F-E5756A186621}"/>
               </a:ext>
             </a:extLst>
           </p:cNvPr>
@@ -990,7 +990,7 @@
           <p:cNvPr id="3" name="文本占位符 2">
             <a:extLst>
               <a:ext uri="{FF2B5EF4-FFF2-40B4-BE49-F238E27FC236}">
-                <a16:creationId xmlns:a16="http://schemas.microsoft.com/office/drawing/2014/main" id="{DB08809D-7934-8A2B-494C-91FA3C7C17AF}"/>
+                <a16:creationId xmlns:a16="http://schemas.microsoft.com/office/drawing/2014/main" id="{D0BBB781-DFBE-06B7-6B81-D27BF24DC740}"/>
               </a:ext>
             </a:extLst>
           </p:cNvPr>
@@ -1115,7 +1115,7 @@
           <p:cNvPr id="4" name="日期占位符 3">
             <a:extLst>
               <a:ext uri="{FF2B5EF4-FFF2-40B4-BE49-F238E27FC236}">
-                <a16:creationId xmlns:a16="http://schemas.microsoft.com/office/drawing/2014/main" id="{F7161AE3-F444-B67C-BBF6-16FF4C15A859}"/>
+                <a16:creationId xmlns:a16="http://schemas.microsoft.com/office/drawing/2014/main" id="{ACC38DF6-86C3-A219-ED69-B39FFFF8C007}"/>
               </a:ext>
             </a:extLst>
           </p:cNvPr>
@@ -1131,7 +1131,7 @@
           <a:bodyPr/>
           <a:lstStyle/>
           <a:p>
-            <a:fld id="{E073F0ED-8DD1-47EF-88D4-D82E6DB55CDA}" type="datetimeFigureOut">
+            <a:fld id="{419B077C-22F5-496A-9E12-3758AE6B986C}" type="datetimeFigureOut">
               <a:rPr lang="zh-CN" altLang="en-US" smtClean="0"/>
               <a:t>2024/3/10</a:t>
             </a:fld>
@@ -1144,7 +1144,7 @@
           <p:cNvPr id="5" name="页脚占位符 4">
             <a:extLst>
               <a:ext uri="{FF2B5EF4-FFF2-40B4-BE49-F238E27FC236}">
-                <a16:creationId xmlns:a16="http://schemas.microsoft.com/office/drawing/2014/main" id="{41B2EF4F-9BC2-940D-F672-ECF51B0E93C3}"/>
+                <a16:creationId xmlns:a16="http://schemas.microsoft.com/office/drawing/2014/main" id="{4871A048-9888-C5BA-B37E-6F456783CEAE}"/>
               </a:ext>
             </a:extLst>
           </p:cNvPr>
@@ -1169,7 +1169,7 @@
           <p:cNvPr id="6" name="灯片编号占位符 5">
             <a:extLst>
               <a:ext uri="{FF2B5EF4-FFF2-40B4-BE49-F238E27FC236}">
-                <a16:creationId xmlns:a16="http://schemas.microsoft.com/office/drawing/2014/main" id="{073EDA4C-FB6E-30CD-157A-E88C5627BC9E}"/>
+                <a16:creationId xmlns:a16="http://schemas.microsoft.com/office/drawing/2014/main" id="{7F0CBBA5-BE4F-4646-EBD1-63BB7C207B51}"/>
               </a:ext>
             </a:extLst>
           </p:cNvPr>
@@ -1185,7 +1185,7 @@
           <a:bodyPr/>
           <a:lstStyle/>
           <a:p>
-            <a:fld id="{69D1344B-0241-4AA0-A324-1FB20875BB7D}" type="slidenum">
+            <a:fld id="{54BAC207-67C3-41DC-968B-CD139BFB0E80}" type="slidenum">
               <a:rPr lang="zh-CN" altLang="en-US" smtClean="0"/>
               <a:t>‹#›</a:t>
             </a:fld>
@@ -1196,7 +1196,7 @@
     </p:spTree>
     <p:extLst>
       <p:ext uri="{BB962C8B-B14F-4D97-AF65-F5344CB8AC3E}">
-        <p14:creationId xmlns:p14="http://schemas.microsoft.com/office/powerpoint/2010/main" val="2968307352"/>
+        <p14:creationId xmlns:p14="http://schemas.microsoft.com/office/powerpoint/2010/main" val="1830130283"/>
       </p:ext>
     </p:extLst>
   </p:cSld>
@@ -1228,7 +1228,7 @@
           <p:cNvPr id="2" name="标题 1">
             <a:extLst>
               <a:ext uri="{FF2B5EF4-FFF2-40B4-BE49-F238E27FC236}">
-                <a16:creationId xmlns:a16="http://schemas.microsoft.com/office/drawing/2014/main" id="{FEB0D172-D6E0-D0AB-6B7B-A5C8C018E7E9}"/>
+                <a16:creationId xmlns:a16="http://schemas.microsoft.com/office/drawing/2014/main" id="{F68556ED-CADA-C231-1A14-46C6D885E3BE}"/>
               </a:ext>
             </a:extLst>
           </p:cNvPr>
@@ -1256,7 +1256,7 @@
           <p:cNvPr id="3" name="内容占位符 2">
             <a:extLst>
               <a:ext uri="{FF2B5EF4-FFF2-40B4-BE49-F238E27FC236}">
-                <a16:creationId xmlns:a16="http://schemas.microsoft.com/office/drawing/2014/main" id="{2A575128-6FDC-7A12-AACB-1380965E08F7}"/>
+                <a16:creationId xmlns:a16="http://schemas.microsoft.com/office/drawing/2014/main" id="{3D7F8554-DEA5-C5EE-8C43-37F6069A3A1B}"/>
               </a:ext>
             </a:extLst>
           </p:cNvPr>
@@ -1318,7 +1318,7 @@
           <p:cNvPr id="4" name="内容占位符 3">
             <a:extLst>
               <a:ext uri="{FF2B5EF4-FFF2-40B4-BE49-F238E27FC236}">
-                <a16:creationId xmlns:a16="http://schemas.microsoft.com/office/drawing/2014/main" id="{44E29928-07F3-6BF8-030D-3843C8200289}"/>
+                <a16:creationId xmlns:a16="http://schemas.microsoft.com/office/drawing/2014/main" id="{5032C417-94AB-D9D5-D470-79AF703D0ADC}"/>
               </a:ext>
             </a:extLst>
           </p:cNvPr>
@@ -1380,7 +1380,7 @@
           <p:cNvPr id="5" name="日期占位符 4">
             <a:extLst>
               <a:ext uri="{FF2B5EF4-FFF2-40B4-BE49-F238E27FC236}">
-                <a16:creationId xmlns:a16="http://schemas.microsoft.com/office/drawing/2014/main" id="{EBFCB634-B528-F329-42C8-5C87249635E3}"/>
+                <a16:creationId xmlns:a16="http://schemas.microsoft.com/office/drawing/2014/main" id="{0B8BA7D6-ABC9-08A8-56DD-78A88601911E}"/>
               </a:ext>
             </a:extLst>
           </p:cNvPr>
@@ -1396,7 +1396,7 @@
           <a:bodyPr/>
           <a:lstStyle/>
           <a:p>
-            <a:fld id="{E073F0ED-8DD1-47EF-88D4-D82E6DB55CDA}" type="datetimeFigureOut">
+            <a:fld id="{419B077C-22F5-496A-9E12-3758AE6B986C}" type="datetimeFigureOut">
               <a:rPr lang="zh-CN" altLang="en-US" smtClean="0"/>
               <a:t>2024/3/10</a:t>
             </a:fld>
@@ -1409,7 +1409,7 @@
           <p:cNvPr id="6" name="页脚占位符 5">
             <a:extLst>
               <a:ext uri="{FF2B5EF4-FFF2-40B4-BE49-F238E27FC236}">
-                <a16:creationId xmlns:a16="http://schemas.microsoft.com/office/drawing/2014/main" id="{A822C397-B048-0F03-703D-7C90D23EAA6D}"/>
+                <a16:creationId xmlns:a16="http://schemas.microsoft.com/office/drawing/2014/main" id="{E7C8B29A-973C-1D22-7C14-1E77773CCB82}"/>
               </a:ext>
             </a:extLst>
           </p:cNvPr>
@@ -1434,7 +1434,7 @@
           <p:cNvPr id="7" name="灯片编号占位符 6">
             <a:extLst>
               <a:ext uri="{FF2B5EF4-FFF2-40B4-BE49-F238E27FC236}">
-                <a16:creationId xmlns:a16="http://schemas.microsoft.com/office/drawing/2014/main" id="{72BC63B8-DB42-B9DB-024F-E9FDE67CEF50}"/>
+                <a16:creationId xmlns:a16="http://schemas.microsoft.com/office/drawing/2014/main" id="{5D2D8DDE-DF86-EF6B-733D-76C267703F84}"/>
               </a:ext>
             </a:extLst>
           </p:cNvPr>
@@ -1450,7 +1450,7 @@
           <a:bodyPr/>
           <a:lstStyle/>
           <a:p>
-            <a:fld id="{69D1344B-0241-4AA0-A324-1FB20875BB7D}" type="slidenum">
+            <a:fld id="{54BAC207-67C3-41DC-968B-CD139BFB0E80}" type="slidenum">
               <a:rPr lang="zh-CN" altLang="en-US" smtClean="0"/>
               <a:t>‹#›</a:t>
             </a:fld>
@@ -1461,7 +1461,7 @@
     </p:spTree>
     <p:extLst>
       <p:ext uri="{BB962C8B-B14F-4D97-AF65-F5344CB8AC3E}">
-        <p14:creationId xmlns:p14="http://schemas.microsoft.com/office/powerpoint/2010/main" val="553634089"/>
+        <p14:creationId xmlns:p14="http://schemas.microsoft.com/office/powerpoint/2010/main" val="288296303"/>
       </p:ext>
     </p:extLst>
   </p:cSld>
@@ -1493,7 +1493,7 @@
           <p:cNvPr id="2" name="标题 1">
             <a:extLst>
               <a:ext uri="{FF2B5EF4-FFF2-40B4-BE49-F238E27FC236}">
-                <a16:creationId xmlns:a16="http://schemas.microsoft.com/office/drawing/2014/main" id="{81868274-5E38-B01E-3D23-67B0E5C10BD7}"/>
+                <a16:creationId xmlns:a16="http://schemas.microsoft.com/office/drawing/2014/main" id="{A05A587F-0915-38F2-C562-DDF5C746146E}"/>
               </a:ext>
             </a:extLst>
           </p:cNvPr>
@@ -1526,7 +1526,7 @@
           <p:cNvPr id="3" name="文本占位符 2">
             <a:extLst>
               <a:ext uri="{FF2B5EF4-FFF2-40B4-BE49-F238E27FC236}">
-                <a16:creationId xmlns:a16="http://schemas.microsoft.com/office/drawing/2014/main" id="{CA1E9C33-9C68-F66B-7516-2BDDE72FA2B7}"/>
+                <a16:creationId xmlns:a16="http://schemas.microsoft.com/office/drawing/2014/main" id="{15D38E0A-20A2-D380-4A24-F433FD82C759}"/>
               </a:ext>
             </a:extLst>
           </p:cNvPr>
@@ -1597,7 +1597,7 @@
           <p:cNvPr id="4" name="内容占位符 3">
             <a:extLst>
               <a:ext uri="{FF2B5EF4-FFF2-40B4-BE49-F238E27FC236}">
-                <a16:creationId xmlns:a16="http://schemas.microsoft.com/office/drawing/2014/main" id="{AA231918-EB9C-053D-EE92-8650079C38E1}"/>
+                <a16:creationId xmlns:a16="http://schemas.microsoft.com/office/drawing/2014/main" id="{702EE7A2-5DE3-6EFD-B131-168C83A80C94}"/>
               </a:ext>
             </a:extLst>
           </p:cNvPr>
@@ -1659,7 +1659,7 @@
           <p:cNvPr id="5" name="文本占位符 4">
             <a:extLst>
               <a:ext uri="{FF2B5EF4-FFF2-40B4-BE49-F238E27FC236}">
-                <a16:creationId xmlns:a16="http://schemas.microsoft.com/office/drawing/2014/main" id="{7C861414-AD41-58B2-C692-DD21485D7471}"/>
+                <a16:creationId xmlns:a16="http://schemas.microsoft.com/office/drawing/2014/main" id="{8F05FB56-76EC-DE3A-EFD0-89E6720058B3}"/>
               </a:ext>
             </a:extLst>
           </p:cNvPr>
@@ -1730,7 +1730,7 @@
           <p:cNvPr id="6" name="内容占位符 5">
             <a:extLst>
               <a:ext uri="{FF2B5EF4-FFF2-40B4-BE49-F238E27FC236}">
-                <a16:creationId xmlns:a16="http://schemas.microsoft.com/office/drawing/2014/main" id="{590F5CF1-1C1D-DBE6-077D-DF5D552CE358}"/>
+                <a16:creationId xmlns:a16="http://schemas.microsoft.com/office/drawing/2014/main" id="{C5D8E5EB-6CCE-37C2-83D4-934394F7D06F}"/>
               </a:ext>
             </a:extLst>
           </p:cNvPr>
@@ -1792,7 +1792,7 @@
           <p:cNvPr id="7" name="日期占位符 6">
             <a:extLst>
               <a:ext uri="{FF2B5EF4-FFF2-40B4-BE49-F238E27FC236}">
-                <a16:creationId xmlns:a16="http://schemas.microsoft.com/office/drawing/2014/main" id="{BC783965-B377-AE0F-D989-5C56A8D5833B}"/>
+                <a16:creationId xmlns:a16="http://schemas.microsoft.com/office/drawing/2014/main" id="{F590732C-9523-9406-B51F-47CC1307B724}"/>
               </a:ext>
             </a:extLst>
           </p:cNvPr>
@@ -1808,7 +1808,7 @@
           <a:bodyPr/>
           <a:lstStyle/>
           <a:p>
-            <a:fld id="{E073F0ED-8DD1-47EF-88D4-D82E6DB55CDA}" type="datetimeFigureOut">
+            <a:fld id="{419B077C-22F5-496A-9E12-3758AE6B986C}" type="datetimeFigureOut">
               <a:rPr lang="zh-CN" altLang="en-US" smtClean="0"/>
               <a:t>2024/3/10</a:t>
             </a:fld>
@@ -1821,7 +1821,7 @@
           <p:cNvPr id="8" name="页脚占位符 7">
             <a:extLst>
               <a:ext uri="{FF2B5EF4-FFF2-40B4-BE49-F238E27FC236}">
-                <a16:creationId xmlns:a16="http://schemas.microsoft.com/office/drawing/2014/main" id="{FAC069AD-F595-32D3-EB4A-09B46807A688}"/>
+                <a16:creationId xmlns:a16="http://schemas.microsoft.com/office/drawing/2014/main" id="{E6228E09-F6C8-3464-EF37-67541FA70FC1}"/>
               </a:ext>
             </a:extLst>
           </p:cNvPr>
@@ -1846,7 +1846,7 @@
           <p:cNvPr id="9" name="灯片编号占位符 8">
             <a:extLst>
               <a:ext uri="{FF2B5EF4-FFF2-40B4-BE49-F238E27FC236}">
-                <a16:creationId xmlns:a16="http://schemas.microsoft.com/office/drawing/2014/main" id="{2E038653-FE91-79B7-0FE3-97DDC9A0274A}"/>
+                <a16:creationId xmlns:a16="http://schemas.microsoft.com/office/drawing/2014/main" id="{58641570-0DD2-2713-7F77-47BA95851BEF}"/>
               </a:ext>
             </a:extLst>
           </p:cNvPr>
@@ -1862,7 +1862,7 @@
           <a:bodyPr/>
           <a:lstStyle/>
           <a:p>
-            <a:fld id="{69D1344B-0241-4AA0-A324-1FB20875BB7D}" type="slidenum">
+            <a:fld id="{54BAC207-67C3-41DC-968B-CD139BFB0E80}" type="slidenum">
               <a:rPr lang="zh-CN" altLang="en-US" smtClean="0"/>
               <a:t>‹#›</a:t>
             </a:fld>
@@ -1873,7 +1873,7 @@
     </p:spTree>
     <p:extLst>
       <p:ext uri="{BB962C8B-B14F-4D97-AF65-F5344CB8AC3E}">
-        <p14:creationId xmlns:p14="http://schemas.microsoft.com/office/powerpoint/2010/main" val="3236453657"/>
+        <p14:creationId xmlns:p14="http://schemas.microsoft.com/office/powerpoint/2010/main" val="580971953"/>
       </p:ext>
     </p:extLst>
   </p:cSld>
@@ -1905,7 +1905,7 @@
           <p:cNvPr id="2" name="标题 1">
             <a:extLst>
               <a:ext uri="{FF2B5EF4-FFF2-40B4-BE49-F238E27FC236}">
-                <a16:creationId xmlns:a16="http://schemas.microsoft.com/office/drawing/2014/main" id="{0300ED84-C00F-7BB8-A2AC-4C7F8E232BFA}"/>
+                <a16:creationId xmlns:a16="http://schemas.microsoft.com/office/drawing/2014/main" id="{EB0FB9E0-1114-D568-0F43-602BEC249AA4}"/>
               </a:ext>
             </a:extLst>
           </p:cNvPr>
@@ -1933,7 +1933,7 @@
           <p:cNvPr id="3" name="日期占位符 2">
             <a:extLst>
               <a:ext uri="{FF2B5EF4-FFF2-40B4-BE49-F238E27FC236}">
-                <a16:creationId xmlns:a16="http://schemas.microsoft.com/office/drawing/2014/main" id="{2F0C4C85-6ED6-DE5D-02CD-394235368985}"/>
+                <a16:creationId xmlns:a16="http://schemas.microsoft.com/office/drawing/2014/main" id="{4109A067-EA92-E29B-69BC-EB35CB8475E9}"/>
               </a:ext>
             </a:extLst>
           </p:cNvPr>
@@ -1949,7 +1949,7 @@
           <a:bodyPr/>
           <a:lstStyle/>
           <a:p>
-            <a:fld id="{E073F0ED-8DD1-47EF-88D4-D82E6DB55CDA}" type="datetimeFigureOut">
+            <a:fld id="{419B077C-22F5-496A-9E12-3758AE6B986C}" type="datetimeFigureOut">
               <a:rPr lang="zh-CN" altLang="en-US" smtClean="0"/>
               <a:t>2024/3/10</a:t>
             </a:fld>
@@ -1962,7 +1962,7 @@
           <p:cNvPr id="4" name="页脚占位符 3">
             <a:extLst>
               <a:ext uri="{FF2B5EF4-FFF2-40B4-BE49-F238E27FC236}">
-                <a16:creationId xmlns:a16="http://schemas.microsoft.com/office/drawing/2014/main" id="{94E2CFC9-5894-6E50-DB2C-370296D89979}"/>
+                <a16:creationId xmlns:a16="http://schemas.microsoft.com/office/drawing/2014/main" id="{D66D14E8-5263-CB4C-1035-2292E7DBC8A2}"/>
               </a:ext>
             </a:extLst>
           </p:cNvPr>
@@ -1987,7 +1987,7 @@
           <p:cNvPr id="5" name="灯片编号占位符 4">
             <a:extLst>
               <a:ext uri="{FF2B5EF4-FFF2-40B4-BE49-F238E27FC236}">
-                <a16:creationId xmlns:a16="http://schemas.microsoft.com/office/drawing/2014/main" id="{1DAEF308-FBBC-9BA1-39AA-6771D0996C11}"/>
+                <a16:creationId xmlns:a16="http://schemas.microsoft.com/office/drawing/2014/main" id="{BFE37FCF-9776-6F50-0C57-B0FC3FEF6750}"/>
               </a:ext>
             </a:extLst>
           </p:cNvPr>
@@ -2003,7 +2003,7 @@
           <a:bodyPr/>
           <a:lstStyle/>
           <a:p>
-            <a:fld id="{69D1344B-0241-4AA0-A324-1FB20875BB7D}" type="slidenum">
+            <a:fld id="{54BAC207-67C3-41DC-968B-CD139BFB0E80}" type="slidenum">
               <a:rPr lang="zh-CN" altLang="en-US" smtClean="0"/>
               <a:t>‹#›</a:t>
             </a:fld>
@@ -2014,7 +2014,7 @@
     </p:spTree>
     <p:extLst>
       <p:ext uri="{BB962C8B-B14F-4D97-AF65-F5344CB8AC3E}">
-        <p14:creationId xmlns:p14="http://schemas.microsoft.com/office/powerpoint/2010/main" val="1528391212"/>
+        <p14:creationId xmlns:p14="http://schemas.microsoft.com/office/powerpoint/2010/main" val="2832666196"/>
       </p:ext>
     </p:extLst>
   </p:cSld>
@@ -2046,7 +2046,7 @@
           <p:cNvPr id="2" name="日期占位符 1">
             <a:extLst>
               <a:ext uri="{FF2B5EF4-FFF2-40B4-BE49-F238E27FC236}">
-                <a16:creationId xmlns:a16="http://schemas.microsoft.com/office/drawing/2014/main" id="{87FBB594-7E21-8818-3BFA-A7F2914063BA}"/>
+                <a16:creationId xmlns:a16="http://schemas.microsoft.com/office/drawing/2014/main" id="{8842B65E-98B1-21EA-5BFC-CDB0E3EEB84B}"/>
               </a:ext>
             </a:extLst>
           </p:cNvPr>
@@ -2062,7 +2062,7 @@
           <a:bodyPr/>
           <a:lstStyle/>
           <a:p>
-            <a:fld id="{E073F0ED-8DD1-47EF-88D4-D82E6DB55CDA}" type="datetimeFigureOut">
+            <a:fld id="{419B077C-22F5-496A-9E12-3758AE6B986C}" type="datetimeFigureOut">
               <a:rPr lang="zh-CN" altLang="en-US" smtClean="0"/>
               <a:t>2024/3/10</a:t>
             </a:fld>
@@ -2075,7 +2075,7 @@
           <p:cNvPr id="3" name="页脚占位符 2">
             <a:extLst>
               <a:ext uri="{FF2B5EF4-FFF2-40B4-BE49-F238E27FC236}">
-                <a16:creationId xmlns:a16="http://schemas.microsoft.com/office/drawing/2014/main" id="{320617A5-5B1C-FC14-F714-63FA7C989808}"/>
+                <a16:creationId xmlns:a16="http://schemas.microsoft.com/office/drawing/2014/main" id="{A6F162B4-D6E8-3665-B1B1-983DDAAF965D}"/>
               </a:ext>
             </a:extLst>
           </p:cNvPr>
@@ -2100,7 +2100,7 @@
           <p:cNvPr id="4" name="灯片编号占位符 3">
             <a:extLst>
               <a:ext uri="{FF2B5EF4-FFF2-40B4-BE49-F238E27FC236}">
-                <a16:creationId xmlns:a16="http://schemas.microsoft.com/office/drawing/2014/main" id="{320FCF19-DDA8-BECA-E653-2D59AD933987}"/>
+                <a16:creationId xmlns:a16="http://schemas.microsoft.com/office/drawing/2014/main" id="{8AC929C9-4EE8-46A9-CBEF-DBF171E2D53C}"/>
               </a:ext>
             </a:extLst>
           </p:cNvPr>
@@ -2116,7 +2116,7 @@
           <a:bodyPr/>
           <a:lstStyle/>
           <a:p>
-            <a:fld id="{69D1344B-0241-4AA0-A324-1FB20875BB7D}" type="slidenum">
+            <a:fld id="{54BAC207-67C3-41DC-968B-CD139BFB0E80}" type="slidenum">
               <a:rPr lang="zh-CN" altLang="en-US" smtClean="0"/>
               <a:t>‹#›</a:t>
             </a:fld>
@@ -2127,7 +2127,7 @@
     </p:spTree>
     <p:extLst>
       <p:ext uri="{BB962C8B-B14F-4D97-AF65-F5344CB8AC3E}">
-        <p14:creationId xmlns:p14="http://schemas.microsoft.com/office/powerpoint/2010/main" val="1030108265"/>
+        <p14:creationId xmlns:p14="http://schemas.microsoft.com/office/powerpoint/2010/main" val="2096947835"/>
       </p:ext>
     </p:extLst>
   </p:cSld>
@@ -2159,7 +2159,7 @@
           <p:cNvPr id="2" name="标题 1">
             <a:extLst>
               <a:ext uri="{FF2B5EF4-FFF2-40B4-BE49-F238E27FC236}">
-                <a16:creationId xmlns:a16="http://schemas.microsoft.com/office/drawing/2014/main" id="{967FE6E2-A664-6898-DB45-AB32424FE69F}"/>
+                <a16:creationId xmlns:a16="http://schemas.microsoft.com/office/drawing/2014/main" id="{993EEE8B-9943-EE12-54C8-EEF604CE173D}"/>
               </a:ext>
             </a:extLst>
           </p:cNvPr>
@@ -2196,7 +2196,7 @@
           <p:cNvPr id="3" name="内容占位符 2">
             <a:extLst>
               <a:ext uri="{FF2B5EF4-FFF2-40B4-BE49-F238E27FC236}">
-                <a16:creationId xmlns:a16="http://schemas.microsoft.com/office/drawing/2014/main" id="{4B7E0666-DA0E-A73A-8E01-16CF91ED5460}"/>
+                <a16:creationId xmlns:a16="http://schemas.microsoft.com/office/drawing/2014/main" id="{2D7E5E0B-4C35-C13F-B979-2EA773C66CA4}"/>
               </a:ext>
             </a:extLst>
           </p:cNvPr>
@@ -2286,7 +2286,7 @@
           <p:cNvPr id="4" name="文本占位符 3">
             <a:extLst>
               <a:ext uri="{FF2B5EF4-FFF2-40B4-BE49-F238E27FC236}">
-                <a16:creationId xmlns:a16="http://schemas.microsoft.com/office/drawing/2014/main" id="{7FE48836-2262-1C3E-04F8-CAA6FD9FC959}"/>
+                <a16:creationId xmlns:a16="http://schemas.microsoft.com/office/drawing/2014/main" id="{92F92884-A730-22C9-D6CF-BA099B4AE121}"/>
               </a:ext>
             </a:extLst>
           </p:cNvPr>
@@ -2357,7 +2357,7 @@
           <p:cNvPr id="5" name="日期占位符 4">
             <a:extLst>
               <a:ext uri="{FF2B5EF4-FFF2-40B4-BE49-F238E27FC236}">
-                <a16:creationId xmlns:a16="http://schemas.microsoft.com/office/drawing/2014/main" id="{7EC9E53F-0C9A-64F4-303E-224ED39C0324}"/>
+                <a16:creationId xmlns:a16="http://schemas.microsoft.com/office/drawing/2014/main" id="{01A359C9-27D7-32D6-DFEB-856A977AAC5A}"/>
               </a:ext>
             </a:extLst>
           </p:cNvPr>
@@ -2373,7 +2373,7 @@
           <a:bodyPr/>
           <a:lstStyle/>
           <a:p>
-            <a:fld id="{E073F0ED-8DD1-47EF-88D4-D82E6DB55CDA}" type="datetimeFigureOut">
+            <a:fld id="{419B077C-22F5-496A-9E12-3758AE6B986C}" type="datetimeFigureOut">
               <a:rPr lang="zh-CN" altLang="en-US" smtClean="0"/>
               <a:t>2024/3/10</a:t>
             </a:fld>
@@ -2386,7 +2386,7 @@
           <p:cNvPr id="6" name="页脚占位符 5">
             <a:extLst>
               <a:ext uri="{FF2B5EF4-FFF2-40B4-BE49-F238E27FC236}">
-                <a16:creationId xmlns:a16="http://schemas.microsoft.com/office/drawing/2014/main" id="{9593212F-4905-284E-83E9-B5556F778852}"/>
+                <a16:creationId xmlns:a16="http://schemas.microsoft.com/office/drawing/2014/main" id="{34C675CD-0426-CC25-2D0D-FE695664C958}"/>
               </a:ext>
             </a:extLst>
           </p:cNvPr>
@@ -2411,7 +2411,7 @@
           <p:cNvPr id="7" name="灯片编号占位符 6">
             <a:extLst>
               <a:ext uri="{FF2B5EF4-FFF2-40B4-BE49-F238E27FC236}">
-                <a16:creationId xmlns:a16="http://schemas.microsoft.com/office/drawing/2014/main" id="{3619691D-DF8F-EA8B-92B2-41119565A132}"/>
+                <a16:creationId xmlns:a16="http://schemas.microsoft.com/office/drawing/2014/main" id="{604E65D0-10AA-C778-0F08-D93E05841C63}"/>
               </a:ext>
             </a:extLst>
           </p:cNvPr>
@@ -2427,7 +2427,7 @@
           <a:bodyPr/>
           <a:lstStyle/>
           <a:p>
-            <a:fld id="{69D1344B-0241-4AA0-A324-1FB20875BB7D}" type="slidenum">
+            <a:fld id="{54BAC207-67C3-41DC-968B-CD139BFB0E80}" type="slidenum">
               <a:rPr lang="zh-CN" altLang="en-US" smtClean="0"/>
               <a:t>‹#›</a:t>
             </a:fld>
@@ -2438,7 +2438,7 @@
     </p:spTree>
     <p:extLst>
       <p:ext uri="{BB962C8B-B14F-4D97-AF65-F5344CB8AC3E}">
-        <p14:creationId xmlns:p14="http://schemas.microsoft.com/office/powerpoint/2010/main" val="3982306695"/>
+        <p14:creationId xmlns:p14="http://schemas.microsoft.com/office/powerpoint/2010/main" val="95489563"/>
       </p:ext>
     </p:extLst>
   </p:cSld>
@@ -2470,7 +2470,7 @@
           <p:cNvPr id="2" name="标题 1">
             <a:extLst>
               <a:ext uri="{FF2B5EF4-FFF2-40B4-BE49-F238E27FC236}">
-                <a16:creationId xmlns:a16="http://schemas.microsoft.com/office/drawing/2014/main" id="{7C88AC0A-EEAE-3C89-144E-98310BDB87FA}"/>
+                <a16:creationId xmlns:a16="http://schemas.microsoft.com/office/drawing/2014/main" id="{2B51D97E-7365-2E98-2AEE-81F2D88CFAA4}"/>
               </a:ext>
             </a:extLst>
           </p:cNvPr>
@@ -2507,7 +2507,7 @@
           <p:cNvPr id="3" name="图片占位符 2">
             <a:extLst>
               <a:ext uri="{FF2B5EF4-FFF2-40B4-BE49-F238E27FC236}">
-                <a16:creationId xmlns:a16="http://schemas.microsoft.com/office/drawing/2014/main" id="{7DB735B1-A2C6-8CCF-06C1-5D49FACDB383}"/>
+                <a16:creationId xmlns:a16="http://schemas.microsoft.com/office/drawing/2014/main" id="{9BAFDC00-CC68-01EA-2AD0-347373F49499}"/>
               </a:ext>
             </a:extLst>
           </p:cNvPr>
@@ -2574,7 +2574,7 @@
           <p:cNvPr id="4" name="文本占位符 3">
             <a:extLst>
               <a:ext uri="{FF2B5EF4-FFF2-40B4-BE49-F238E27FC236}">
-                <a16:creationId xmlns:a16="http://schemas.microsoft.com/office/drawing/2014/main" id="{A259F7F8-789F-6810-DF9A-890D8B00B31F}"/>
+                <a16:creationId xmlns:a16="http://schemas.microsoft.com/office/drawing/2014/main" id="{0918BD24-A610-CA5F-0B4E-1BA5A862E8E3}"/>
               </a:ext>
             </a:extLst>
           </p:cNvPr>
@@ -2645,7 +2645,7 @@
           <p:cNvPr id="5" name="日期占位符 4">
             <a:extLst>
               <a:ext uri="{FF2B5EF4-FFF2-40B4-BE49-F238E27FC236}">
-                <a16:creationId xmlns:a16="http://schemas.microsoft.com/office/drawing/2014/main" id="{925E3B0C-CAF8-6CB2-DCE7-7939F40B9997}"/>
+                <a16:creationId xmlns:a16="http://schemas.microsoft.com/office/drawing/2014/main" id="{B2461F59-CE74-D9E2-E745-7CD28E33B24A}"/>
               </a:ext>
             </a:extLst>
           </p:cNvPr>
@@ -2661,7 +2661,7 @@
           <a:bodyPr/>
           <a:lstStyle/>
           <a:p>
-            <a:fld id="{E073F0ED-8DD1-47EF-88D4-D82E6DB55CDA}" type="datetimeFigureOut">
+            <a:fld id="{419B077C-22F5-496A-9E12-3758AE6B986C}" type="datetimeFigureOut">
               <a:rPr lang="zh-CN" altLang="en-US" smtClean="0"/>
               <a:t>2024/3/10</a:t>
             </a:fld>
@@ -2674,7 +2674,7 @@
           <p:cNvPr id="6" name="页脚占位符 5">
             <a:extLst>
               <a:ext uri="{FF2B5EF4-FFF2-40B4-BE49-F238E27FC236}">
-                <a16:creationId xmlns:a16="http://schemas.microsoft.com/office/drawing/2014/main" id="{2CE8A9D9-84E3-5B4A-8935-AD0ACD73A510}"/>
+                <a16:creationId xmlns:a16="http://schemas.microsoft.com/office/drawing/2014/main" id="{6780925B-BE92-BBAE-37AE-81891C44C81E}"/>
               </a:ext>
             </a:extLst>
           </p:cNvPr>
@@ -2699,7 +2699,7 @@
           <p:cNvPr id="7" name="灯片编号占位符 6">
             <a:extLst>
               <a:ext uri="{FF2B5EF4-FFF2-40B4-BE49-F238E27FC236}">
-                <a16:creationId xmlns:a16="http://schemas.microsoft.com/office/drawing/2014/main" id="{8F91EE68-09BC-2442-08B3-F100870C1F67}"/>
+                <a16:creationId xmlns:a16="http://schemas.microsoft.com/office/drawing/2014/main" id="{AE8E505E-3416-C579-D8E5-EF0ECB16375D}"/>
               </a:ext>
             </a:extLst>
           </p:cNvPr>
@@ -2715,7 +2715,7 @@
           <a:bodyPr/>
           <a:lstStyle/>
           <a:p>
-            <a:fld id="{69D1344B-0241-4AA0-A324-1FB20875BB7D}" type="slidenum">
+            <a:fld id="{54BAC207-67C3-41DC-968B-CD139BFB0E80}" type="slidenum">
               <a:rPr lang="zh-CN" altLang="en-US" smtClean="0"/>
               <a:t>‹#›</a:t>
             </a:fld>
@@ -2726,7 +2726,7 @@
     </p:spTree>
     <p:extLst>
       <p:ext uri="{BB962C8B-B14F-4D97-AF65-F5344CB8AC3E}">
-        <p14:creationId xmlns:p14="http://schemas.microsoft.com/office/powerpoint/2010/main" val="2652397780"/>
+        <p14:creationId xmlns:p14="http://schemas.microsoft.com/office/powerpoint/2010/main" val="4074085723"/>
       </p:ext>
     </p:extLst>
   </p:cSld>
@@ -2763,7 +2763,7 @@
           <p:cNvPr id="2" name="标题占位符 1">
             <a:extLst>
               <a:ext uri="{FF2B5EF4-FFF2-40B4-BE49-F238E27FC236}">
-                <a16:creationId xmlns:a16="http://schemas.microsoft.com/office/drawing/2014/main" id="{95ADC8FD-7153-57EE-E64D-FB60099BB6C5}"/>
+                <a16:creationId xmlns:a16="http://schemas.microsoft.com/office/drawing/2014/main" id="{071DF392-F889-6EF4-877C-50863CB04D74}"/>
               </a:ext>
             </a:extLst>
           </p:cNvPr>
@@ -2801,7 +2801,7 @@
           <p:cNvPr id="3" name="文本占位符 2">
             <a:extLst>
               <a:ext uri="{FF2B5EF4-FFF2-40B4-BE49-F238E27FC236}">
-                <a16:creationId xmlns:a16="http://schemas.microsoft.com/office/drawing/2014/main" id="{53E1A160-0017-13AB-8F35-805B50EBDB36}"/>
+                <a16:creationId xmlns:a16="http://schemas.microsoft.com/office/drawing/2014/main" id="{FAEBB150-FFDB-69C4-2397-EC7498C9069A}"/>
               </a:ext>
             </a:extLst>
           </p:cNvPr>
@@ -2868,7 +2868,7 @@
           <p:cNvPr id="4" name="日期占位符 3">
             <a:extLst>
               <a:ext uri="{FF2B5EF4-FFF2-40B4-BE49-F238E27FC236}">
-                <a16:creationId xmlns:a16="http://schemas.microsoft.com/office/drawing/2014/main" id="{648780F8-ACF0-EAF7-D9CD-1DE46B7F1333}"/>
+                <a16:creationId xmlns:a16="http://schemas.microsoft.com/office/drawing/2014/main" id="{DA94158A-2F52-1EC0-94E4-1DB857F32E31}"/>
               </a:ext>
             </a:extLst>
           </p:cNvPr>
@@ -2902,7 +2902,7 @@
             </a:lvl1pPr>
           </a:lstStyle>
           <a:p>
-            <a:fld id="{E073F0ED-8DD1-47EF-88D4-D82E6DB55CDA}" type="datetimeFigureOut">
+            <a:fld id="{419B077C-22F5-496A-9E12-3758AE6B986C}" type="datetimeFigureOut">
               <a:rPr lang="zh-CN" altLang="en-US" smtClean="0"/>
               <a:t>2024/3/10</a:t>
             </a:fld>
@@ -2915,7 +2915,7 @@
           <p:cNvPr id="5" name="页脚占位符 4">
             <a:extLst>
               <a:ext uri="{FF2B5EF4-FFF2-40B4-BE49-F238E27FC236}">
-                <a16:creationId xmlns:a16="http://schemas.microsoft.com/office/drawing/2014/main" id="{D770AA40-E0BF-593F-C086-5BCA8DB1827F}"/>
+                <a16:creationId xmlns:a16="http://schemas.microsoft.com/office/drawing/2014/main" id="{2EA51195-460F-0A23-A27B-6011E2CB4243}"/>
               </a:ext>
             </a:extLst>
           </p:cNvPr>
@@ -2958,7 +2958,7 @@
           <p:cNvPr id="6" name="灯片编号占位符 5">
             <a:extLst>
               <a:ext uri="{FF2B5EF4-FFF2-40B4-BE49-F238E27FC236}">
-                <a16:creationId xmlns:a16="http://schemas.microsoft.com/office/drawing/2014/main" id="{80B43CD7-FB3B-B8F0-2558-CF0C53FF83FB}"/>
+                <a16:creationId xmlns:a16="http://schemas.microsoft.com/office/drawing/2014/main" id="{5B159473-F8D8-125B-D22C-6D5E0935D8EE}"/>
               </a:ext>
             </a:extLst>
           </p:cNvPr>
@@ -2992,7 +2992,7 @@
             </a:lvl1pPr>
           </a:lstStyle>
           <a:p>
-            <a:fld id="{69D1344B-0241-4AA0-A324-1FB20875BB7D}" type="slidenum">
+            <a:fld id="{54BAC207-67C3-41DC-968B-CD139BFB0E80}" type="slidenum">
               <a:rPr lang="zh-CN" altLang="en-US" smtClean="0"/>
               <a:t>‹#›</a:t>
             </a:fld>
@@ -3003,7 +3003,7 @@
     </p:spTree>
     <p:extLst>
       <p:ext uri="{BB962C8B-B14F-4D97-AF65-F5344CB8AC3E}">
-        <p14:creationId xmlns:p14="http://schemas.microsoft.com/office/powerpoint/2010/main" val="3747696095"/>
+        <p14:creationId xmlns:p14="http://schemas.microsoft.com/office/powerpoint/2010/main" val="843065591"/>
       </p:ext>
     </p:extLst>
   </p:cSld>
